--- a/documents/roadmap_celab.pptx
+++ b/documents/roadmap_celab.pptx
@@ -7,6 +7,7 @@
   <p:sldIdLst>
     <p:sldId id="256" r:id="rId2"/>
     <p:sldId id="260" r:id="rId3"/>
+    <p:sldId id="261" r:id="rId4"/>
   </p:sldIdLst>
   <p:sldSz cx="12192000" cy="6858000"/>
   <p:notesSz cx="6858000" cy="9144000"/>
@@ -105,6 +106,11 @@
       </a:defRPr>
     </a:lvl9pPr>
   </p:defaultTextStyle>
+  <p:extLst>
+    <p:ext uri="{EFAFB233-063F-42B5-8137-9DF3F51BA10A}">
+      <p15:sldGuideLst xmlns:p15="http://schemas.microsoft.com/office/powerpoint/2012/main"/>
+    </p:ext>
+  </p:extLst>
 </p:presentation>
 </file>
 
@@ -239,7 +245,7 @@
           <a:p>
             <a:fld id="{BDC773CB-6F06-41A0-AEE3-5D4DFDE9F9C2}" type="datetimeFigureOut">
               <a:rPr lang="en-US" smtClean="0"/>
-              <a:t>12/30/2014</a:t>
+              <a:t>2/24/2015</a:t>
             </a:fld>
             <a:endParaRPr lang="en-US"/>
           </a:p>
@@ -409,7 +415,7 @@
           <a:p>
             <a:fld id="{BDC773CB-6F06-41A0-AEE3-5D4DFDE9F9C2}" type="datetimeFigureOut">
               <a:rPr lang="en-US" smtClean="0"/>
-              <a:t>12/30/2014</a:t>
+              <a:t>2/24/2015</a:t>
             </a:fld>
             <a:endParaRPr lang="en-US"/>
           </a:p>
@@ -589,7 +595,7 @@
           <a:p>
             <a:fld id="{BDC773CB-6F06-41A0-AEE3-5D4DFDE9F9C2}" type="datetimeFigureOut">
               <a:rPr lang="en-US" smtClean="0"/>
-              <a:t>12/30/2014</a:t>
+              <a:t>2/24/2015</a:t>
             </a:fld>
             <a:endParaRPr lang="en-US"/>
           </a:p>
@@ -759,7 +765,7 @@
           <a:p>
             <a:fld id="{BDC773CB-6F06-41A0-AEE3-5D4DFDE9F9C2}" type="datetimeFigureOut">
               <a:rPr lang="en-US" smtClean="0"/>
-              <a:t>12/30/2014</a:t>
+              <a:t>2/24/2015</a:t>
             </a:fld>
             <a:endParaRPr lang="en-US"/>
           </a:p>
@@ -1005,7 +1011,7 @@
           <a:p>
             <a:fld id="{BDC773CB-6F06-41A0-AEE3-5D4DFDE9F9C2}" type="datetimeFigureOut">
               <a:rPr lang="en-US" smtClean="0"/>
-              <a:t>12/30/2014</a:t>
+              <a:t>2/24/2015</a:t>
             </a:fld>
             <a:endParaRPr lang="en-US"/>
           </a:p>
@@ -1237,7 +1243,7 @@
           <a:p>
             <a:fld id="{BDC773CB-6F06-41A0-AEE3-5D4DFDE9F9C2}" type="datetimeFigureOut">
               <a:rPr lang="en-US" smtClean="0"/>
-              <a:t>12/30/2014</a:t>
+              <a:t>2/24/2015</a:t>
             </a:fld>
             <a:endParaRPr lang="en-US"/>
           </a:p>
@@ -1604,7 +1610,7 @@
           <a:p>
             <a:fld id="{BDC773CB-6F06-41A0-AEE3-5D4DFDE9F9C2}" type="datetimeFigureOut">
               <a:rPr lang="en-US" smtClean="0"/>
-              <a:t>12/30/2014</a:t>
+              <a:t>2/24/2015</a:t>
             </a:fld>
             <a:endParaRPr lang="en-US"/>
           </a:p>
@@ -1722,7 +1728,7 @@
           <a:p>
             <a:fld id="{BDC773CB-6F06-41A0-AEE3-5D4DFDE9F9C2}" type="datetimeFigureOut">
               <a:rPr lang="en-US" smtClean="0"/>
-              <a:t>12/30/2014</a:t>
+              <a:t>2/24/2015</a:t>
             </a:fld>
             <a:endParaRPr lang="en-US"/>
           </a:p>
@@ -1817,7 +1823,7 @@
           <a:p>
             <a:fld id="{BDC773CB-6F06-41A0-AEE3-5D4DFDE9F9C2}" type="datetimeFigureOut">
               <a:rPr lang="en-US" smtClean="0"/>
-              <a:t>12/30/2014</a:t>
+              <a:t>2/24/2015</a:t>
             </a:fld>
             <a:endParaRPr lang="en-US"/>
           </a:p>
@@ -2094,7 +2100,7 @@
           <a:p>
             <a:fld id="{BDC773CB-6F06-41A0-AEE3-5D4DFDE9F9C2}" type="datetimeFigureOut">
               <a:rPr lang="en-US" smtClean="0"/>
-              <a:t>12/30/2014</a:t>
+              <a:t>2/24/2015</a:t>
             </a:fld>
             <a:endParaRPr lang="en-US"/>
           </a:p>
@@ -2347,7 +2353,7 @@
           <a:p>
             <a:fld id="{BDC773CB-6F06-41A0-AEE3-5D4DFDE9F9C2}" type="datetimeFigureOut">
               <a:rPr lang="en-US" smtClean="0"/>
-              <a:t>12/30/2014</a:t>
+              <a:t>2/24/2015</a:t>
             </a:fld>
             <a:endParaRPr lang="en-US"/>
           </a:p>
@@ -2560,7 +2566,7 @@
           <a:p>
             <a:fld id="{BDC773CB-6F06-41A0-AEE3-5D4DFDE9F9C2}" type="datetimeFigureOut">
               <a:rPr lang="en-US" smtClean="0"/>
-              <a:t>12/30/2014</a:t>
+              <a:t>2/24/2015</a:t>
             </a:fld>
             <a:endParaRPr lang="en-US"/>
           </a:p>
@@ -3865,6 +3871,402 @@
 </p:sld>
 </file>
 
+<file path=ppt/slides/slide3.xml><?xml version="1.0" encoding="utf-8"?>
+<p:sld xmlns:a="http://schemas.openxmlformats.org/drawingml/2006/main" xmlns:r="http://schemas.openxmlformats.org/officeDocument/2006/relationships" xmlns:p="http://schemas.openxmlformats.org/presentationml/2006/main">
+  <p:cSld>
+    <p:spTree>
+      <p:nvGrpSpPr>
+        <p:cNvPr id="1" name=""/>
+        <p:cNvGrpSpPr/>
+        <p:nvPr/>
+      </p:nvGrpSpPr>
+      <p:grpSpPr>
+        <a:xfrm>
+          <a:off x="0" y="0"/>
+          <a:ext cx="0" cy="0"/>
+          <a:chOff x="0" y="0"/>
+          <a:chExt cx="0" cy="0"/>
+        </a:xfrm>
+      </p:grpSpPr>
+      <p:sp>
+        <p:nvSpPr>
+          <p:cNvPr id="2" name="Title 1"/>
+          <p:cNvSpPr>
+            <a:spLocks noGrp="1"/>
+          </p:cNvSpPr>
+          <p:nvPr>
+            <p:ph type="title"/>
+          </p:nvPr>
+        </p:nvSpPr>
+        <p:spPr>
+          <a:xfrm>
+            <a:off x="442415" y="337826"/>
+            <a:ext cx="10515600" cy="1325563"/>
+          </a:xfrm>
+        </p:spPr>
+        <p:txBody>
+          <a:bodyPr>
+            <a:normAutofit/>
+          </a:bodyPr>
+          <a:lstStyle/>
+          <a:p>
+            <a:pPr algn="ctr"/>
+            <a:r>
+              <a:rPr lang="en-US" sz="6000" b="1" dirty="0" smtClean="0">
+                <a:solidFill>
+                  <a:srgbClr val="7030A0"/>
+                </a:solidFill>
+              </a:rPr>
+              <a:t>Embedded Training Schedule</a:t>
+            </a:r>
+            <a:endParaRPr lang="en-US" sz="6000" b="1" dirty="0">
+              <a:solidFill>
+                <a:srgbClr val="7030A0"/>
+              </a:solidFill>
+            </a:endParaRPr>
+          </a:p>
+        </p:txBody>
+      </p:sp>
+      <p:sp>
+        <p:nvSpPr>
+          <p:cNvPr id="3" name="Content Placeholder 2"/>
+          <p:cNvSpPr>
+            <a:spLocks noGrp="1"/>
+          </p:cNvSpPr>
+          <p:nvPr>
+            <p:ph idx="1"/>
+          </p:nvPr>
+        </p:nvSpPr>
+        <p:spPr>
+          <a:xfrm>
+            <a:off x="1152098" y="3313231"/>
+            <a:ext cx="10515600" cy="4351338"/>
+          </a:xfrm>
+        </p:spPr>
+        <p:txBody>
+          <a:bodyPr>
+            <a:normAutofit/>
+          </a:bodyPr>
+          <a:lstStyle/>
+          <a:p>
+            <a:pPr marL="0" indent="0">
+              <a:buNone/>
+            </a:pPr>
+            <a:endParaRPr lang="en-US" sz="3800" b="1" dirty="0" smtClean="0">
+              <a:solidFill>
+                <a:schemeClr val="tx2">
+                  <a:lumMod val="50000"/>
+                </a:schemeClr>
+              </a:solidFill>
+            </a:endParaRPr>
+          </a:p>
+          <a:p>
+            <a:pPr marL="0" indent="0">
+              <a:buNone/>
+            </a:pPr>
+            <a:endParaRPr lang="en-US" sz="3800" b="1" dirty="0">
+              <a:solidFill>
+                <a:schemeClr val="tx2">
+                  <a:lumMod val="50000"/>
+                </a:schemeClr>
+              </a:solidFill>
+            </a:endParaRPr>
+          </a:p>
+          <a:p>
+            <a:pPr marL="0" indent="0">
+              <a:buNone/>
+            </a:pPr>
+            <a:endParaRPr lang="en-US" dirty="0"/>
+          </a:p>
+          <a:p>
+            <a:pPr marL="0" indent="0">
+              <a:buNone/>
+            </a:pPr>
+            <a:endParaRPr lang="en-US" sz="4200" b="1" dirty="0">
+              <a:solidFill>
+                <a:schemeClr val="tx2">
+                  <a:lumMod val="50000"/>
+                </a:schemeClr>
+              </a:solidFill>
+            </a:endParaRPr>
+          </a:p>
+          <a:p>
+            <a:pPr marL="0" indent="0">
+              <a:buNone/>
+            </a:pPr>
+            <a:endParaRPr lang="en-US" dirty="0" smtClean="0"/>
+          </a:p>
+          <a:p>
+            <a:pPr marL="0" indent="0">
+              <a:buNone/>
+            </a:pPr>
+            <a:endParaRPr lang="en-US" dirty="0"/>
+          </a:p>
+        </p:txBody>
+      </p:sp>
+      <p:graphicFrame>
+        <p:nvGraphicFramePr>
+          <p:cNvPr id="4" name="Table 3"/>
+          <p:cNvGraphicFramePr>
+            <a:graphicFrameLocks noGrp="1"/>
+          </p:cNvGraphicFramePr>
+          <p:nvPr>
+            <p:extLst>
+              <p:ext uri="{D42A27DB-BD31-4B8C-83A1-F6EECF244321}">
+                <p14:modId xmlns:p14="http://schemas.microsoft.com/office/powerpoint/2010/main" val="2747395564"/>
+              </p:ext>
+            </p:extLst>
+          </p:nvPr>
+        </p:nvGraphicFramePr>
+        <p:xfrm>
+          <a:off x="1378424" y="1742101"/>
+          <a:ext cx="8918054" cy="2298297"/>
+        </p:xfrm>
+        <a:graphic>
+          <a:graphicData uri="http://schemas.openxmlformats.org/drawingml/2006/table">
+            <a:tbl>
+              <a:tblPr firstRow="1" bandRow="1">
+                <a:tableStyleId>{5C22544A-7EE6-4342-B048-85BDC9FD1C3A}</a:tableStyleId>
+              </a:tblPr>
+              <a:tblGrid>
+                <a:gridCol w="4459027"/>
+                <a:gridCol w="4459027"/>
+              </a:tblGrid>
+              <a:tr h="407031">
+                <a:tc>
+                  <a:txBody>
+                    <a:bodyPr/>
+                    <a:lstStyle/>
+                    <a:p>
+                      <a:r>
+                        <a:rPr lang="en-US" sz="1800" b="1" dirty="0" smtClean="0">
+                          <a:solidFill>
+                            <a:schemeClr val="tx2">
+                              <a:lumMod val="50000"/>
+                            </a:schemeClr>
+                          </a:solidFill>
+                        </a:rPr>
+                        <a:t>Saturday</a:t>
+                      </a:r>
+                      <a:endParaRPr lang="en-US" dirty="0"/>
+                    </a:p>
+                  </a:txBody>
+                  <a:tcPr/>
+                </a:tc>
+                <a:tc>
+                  <a:txBody>
+                    <a:bodyPr/>
+                    <a:lstStyle/>
+                    <a:p>
+                      <a:r>
+                        <a:rPr lang="en-US" sz="1800" b="1" dirty="0" smtClean="0">
+                          <a:solidFill>
+                            <a:schemeClr val="tx2">
+                              <a:lumMod val="50000"/>
+                            </a:schemeClr>
+                          </a:solidFill>
+                        </a:rPr>
+                        <a:t>Sunday </a:t>
+                      </a:r>
+                      <a:endParaRPr lang="en-US" dirty="0"/>
+                    </a:p>
+                  </a:txBody>
+                  <a:tcPr/>
+                </a:tc>
+              </a:tr>
+              <a:tr h="702546">
+                <a:tc>
+                  <a:txBody>
+                    <a:bodyPr/>
+                    <a:lstStyle/>
+                    <a:p>
+                      <a:r>
+                        <a:rPr lang="en-US" dirty="0" smtClean="0"/>
+                        <a:t>11am - 12pm :</a:t>
+                      </a:r>
+                      <a:r>
+                        <a:rPr lang="en-US" baseline="0" dirty="0" smtClean="0"/>
+                        <a:t> </a:t>
+                      </a:r>
+                      <a:r>
+                        <a:rPr lang="en-US" dirty="0" smtClean="0"/>
+                        <a:t>Electronics</a:t>
+                      </a:r>
+                      <a:r>
+                        <a:rPr lang="en-US" baseline="0" dirty="0" smtClean="0"/>
+                        <a:t> </a:t>
+                      </a:r>
+                      <a:r>
+                        <a:rPr lang="en-US" dirty="0" smtClean="0"/>
+                        <a:t>PCB Designing</a:t>
+                      </a:r>
+                    </a:p>
+                  </a:txBody>
+                  <a:tcPr/>
+                </a:tc>
+                <a:tc>
+                  <a:txBody>
+                    <a:bodyPr/>
+                    <a:lstStyle/>
+                    <a:p>
+                      <a:pPr marL="0" marR="0" indent="0" algn="l" defTabSz="914400" rtl="0" eaLnBrk="1" fontAlgn="auto" latinLnBrk="0" hangingPunct="1">
+                        <a:lnSpc>
+                          <a:spcPct val="100000"/>
+                        </a:lnSpc>
+                        <a:spcBef>
+                          <a:spcPts val="0"/>
+                        </a:spcBef>
+                        <a:spcAft>
+                          <a:spcPts val="0"/>
+                        </a:spcAft>
+                        <a:buClrTx/>
+                        <a:buSzTx/>
+                        <a:buFontTx/>
+                        <a:buNone/>
+                        <a:tabLst/>
+                        <a:defRPr/>
+                      </a:pPr>
+                      <a:r>
+                        <a:rPr lang="en-US" dirty="0" smtClean="0"/>
+                        <a:t>2pm - 3pm  : Arduino Programming</a:t>
+                      </a:r>
+                    </a:p>
+                    <a:p>
+                      <a:endParaRPr lang="en-US" dirty="0"/>
+                    </a:p>
+                  </a:txBody>
+                  <a:tcPr/>
+                </a:tc>
+              </a:tr>
+              <a:tr h="1003637">
+                <a:tc>
+                  <a:txBody>
+                    <a:bodyPr/>
+                    <a:lstStyle/>
+                    <a:p>
+                      <a:pPr marL="0" marR="0" indent="0" algn="l" defTabSz="914400" rtl="0" eaLnBrk="1" fontAlgn="auto" latinLnBrk="0" hangingPunct="1">
+                        <a:lnSpc>
+                          <a:spcPct val="100000"/>
+                        </a:lnSpc>
+                        <a:spcBef>
+                          <a:spcPts val="0"/>
+                        </a:spcBef>
+                        <a:spcAft>
+                          <a:spcPts val="0"/>
+                        </a:spcAft>
+                        <a:buClrTx/>
+                        <a:buSzTx/>
+                        <a:buFontTx/>
+                        <a:buNone/>
+                        <a:tabLst/>
+                        <a:defRPr/>
+                      </a:pPr>
+                      <a:r>
+                        <a:rPr lang="en-US" dirty="0" smtClean="0"/>
+                        <a:t>1 pm - 2 pm    : 8051 Programming</a:t>
+                      </a:r>
+                    </a:p>
+                    <a:p>
+                      <a:pPr marL="0" marR="0" indent="0" algn="l" defTabSz="914400" rtl="0" eaLnBrk="1" fontAlgn="auto" latinLnBrk="0" hangingPunct="1">
+                        <a:lnSpc>
+                          <a:spcPct val="100000"/>
+                        </a:lnSpc>
+                        <a:spcBef>
+                          <a:spcPts val="0"/>
+                        </a:spcBef>
+                        <a:spcAft>
+                          <a:spcPts val="0"/>
+                        </a:spcAft>
+                        <a:buClrTx/>
+                        <a:buSzTx/>
+                        <a:buFontTx/>
+                        <a:buNone/>
+                        <a:tabLst/>
+                        <a:defRPr/>
+                      </a:pPr>
+                      <a:endParaRPr lang="en-US" dirty="0" smtClean="0"/>
+                    </a:p>
+                    <a:p>
+                      <a:pPr marL="0" marR="0" indent="0" algn="l" defTabSz="914400" rtl="0" eaLnBrk="1" fontAlgn="auto" latinLnBrk="0" hangingPunct="1">
+                        <a:lnSpc>
+                          <a:spcPct val="100000"/>
+                        </a:lnSpc>
+                        <a:spcBef>
+                          <a:spcPts val="0"/>
+                        </a:spcBef>
+                        <a:spcAft>
+                          <a:spcPts val="0"/>
+                        </a:spcAft>
+                        <a:buClrTx/>
+                        <a:buSzTx/>
+                        <a:buFontTx/>
+                        <a:buNone/>
+                        <a:tabLst/>
+                        <a:defRPr/>
+                      </a:pPr>
+                      <a:r>
+                        <a:rPr lang="en-US" dirty="0" smtClean="0"/>
+                        <a:t>3 pm - 4pm     :  Students Projects Help </a:t>
+                      </a:r>
+                      <a:br>
+                        <a:rPr lang="en-US" dirty="0" smtClean="0"/>
+                      </a:br>
+                      <a:endParaRPr lang="en-US" dirty="0" smtClean="0"/>
+                    </a:p>
+                  </a:txBody>
+                  <a:tcPr/>
+                </a:tc>
+                <a:tc>
+                  <a:txBody>
+                    <a:bodyPr/>
+                    <a:lstStyle/>
+                    <a:p>
+                      <a:pPr marL="0" marR="0" indent="0" algn="l" defTabSz="914400" rtl="0" eaLnBrk="1" fontAlgn="auto" latinLnBrk="0" hangingPunct="1">
+                        <a:lnSpc>
+                          <a:spcPct val="100000"/>
+                        </a:lnSpc>
+                        <a:spcBef>
+                          <a:spcPts val="0"/>
+                        </a:spcBef>
+                        <a:spcAft>
+                          <a:spcPts val="0"/>
+                        </a:spcAft>
+                        <a:buClrTx/>
+                        <a:buSzTx/>
+                        <a:buFontTx/>
+                        <a:buNone/>
+                        <a:tabLst/>
+                        <a:defRPr/>
+                      </a:pPr>
+                      <a:r>
+                        <a:rPr lang="en-US" dirty="0" smtClean="0"/>
+                        <a:t>4pm - 5 pm : C Programming</a:t>
+                      </a:r>
+                    </a:p>
+                    <a:p>
+                      <a:endParaRPr lang="en-US" dirty="0"/>
+                    </a:p>
+                  </a:txBody>
+                  <a:tcPr/>
+                </a:tc>
+              </a:tr>
+            </a:tbl>
+          </a:graphicData>
+        </a:graphic>
+      </p:graphicFrame>
+    </p:spTree>
+    <p:extLst>
+      <p:ext uri="{BB962C8B-B14F-4D97-AF65-F5344CB8AC3E}">
+        <p14:creationId xmlns:p14="http://schemas.microsoft.com/office/powerpoint/2010/main" val="3317997142"/>
+      </p:ext>
+    </p:extLst>
+  </p:cSld>
+  <p:clrMapOvr>
+    <a:masterClrMapping/>
+  </p:clrMapOvr>
+</p:sld>
+</file>
+
 <file path=ppt/theme/theme1.xml><?xml version="1.0" encoding="utf-8"?>
 <a:theme xmlns:a="http://schemas.openxmlformats.org/drawingml/2006/main" name="Office Theme">
   <a:themeElements>
